--- a/Project/figures/discretization1.pptx
+++ b/Project/figures/discretization1.pptx
@@ -3004,13 +3004,7 @@
                       </a:solidFill>
                       <a:tailEnd type="triangle"/>
                     </a:ln>
-                    <a:effectLst>
-                      <a:outerShdw blurRad="50800" dist="38100" dir="5400000" algn="t" rotWithShape="0">
-                        <a:prstClr val="black">
-                          <a:alpha val="40000"/>
-                        </a:prstClr>
-                      </a:outerShdw>
-                    </a:effectLst>
+                    <a:effectLst/>
                   </p:spPr>
                   <p:style>
                     <a:lnRef idx="1">
@@ -3050,13 +3044,7 @@
                       </a:solidFill>
                       <a:tailEnd type="triangle"/>
                     </a:ln>
-                    <a:effectLst>
-                      <a:outerShdw blurRad="50800" dist="38100" dir="5400000" algn="t" rotWithShape="0">
-                        <a:prstClr val="black">
-                          <a:alpha val="40000"/>
-                        </a:prstClr>
-                      </a:outerShdw>
-                    </a:effectLst>
+                    <a:effectLst/>
                   </p:spPr>
                   <p:style>
                     <a:lnRef idx="1">
@@ -6071,6 +6059,126 @@
           </p:style>
         </p:cxnSp>
       </p:grpSp>
+      <p:cxnSp>
+        <p:nvCxnSpPr>
+          <p:cNvPr id="169" name="Straight Connector 168"/>
+          <p:cNvCxnSpPr/>
+          <p:nvPr/>
+        </p:nvCxnSpPr>
+        <p:spPr>
+          <a:xfrm>
+            <a:off x="7636428" y="1923166"/>
+            <a:ext cx="221115" cy="0"/>
+          </a:xfrm>
+          <a:prstGeom prst="line">
+            <a:avLst/>
+          </a:prstGeom>
+          <a:ln w="28575">
+            <a:solidFill>
+              <a:srgbClr val="FF0000"/>
+            </a:solidFill>
+          </a:ln>
+          <a:effectLst/>
+        </p:spPr>
+        <p:style>
+          <a:lnRef idx="1">
+            <a:schemeClr val="accent1"/>
+          </a:lnRef>
+          <a:fillRef idx="0">
+            <a:schemeClr val="accent1"/>
+          </a:fillRef>
+          <a:effectRef idx="0">
+            <a:schemeClr val="accent1"/>
+          </a:effectRef>
+          <a:fontRef idx="minor">
+            <a:schemeClr val="tx1"/>
+          </a:fontRef>
+        </p:style>
+      </p:cxnSp>
+      <p:cxnSp>
+        <p:nvCxnSpPr>
+          <p:cNvPr id="171" name="Straight Connector 170"/>
+          <p:cNvCxnSpPr/>
+          <p:nvPr/>
+        </p:nvCxnSpPr>
+        <p:spPr>
+          <a:xfrm>
+            <a:off x="7636428" y="2248736"/>
+            <a:ext cx="226666" cy="0"/>
+          </a:xfrm>
+          <a:prstGeom prst="line">
+            <a:avLst/>
+          </a:prstGeom>
+          <a:ln w="28575">
+            <a:solidFill>
+              <a:schemeClr val="accent1"/>
+            </a:solidFill>
+          </a:ln>
+          <a:effectLst/>
+        </p:spPr>
+        <p:style>
+          <a:lnRef idx="1">
+            <a:schemeClr val="accent1"/>
+          </a:lnRef>
+          <a:fillRef idx="0">
+            <a:schemeClr val="accent1"/>
+          </a:fillRef>
+          <a:effectRef idx="0">
+            <a:schemeClr val="accent1"/>
+          </a:effectRef>
+          <a:fontRef idx="minor">
+            <a:schemeClr val="tx1"/>
+          </a:fontRef>
+        </p:style>
+      </p:cxnSp>
+      <p:pic>
+        <p:nvPicPr>
+          <p:cNvPr id="174" name="Picture 173"/>
+          <p:cNvPicPr>
+            <a:picLocks noChangeAspect="1"/>
+          </p:cNvPicPr>
+          <p:nvPr/>
+        </p:nvPicPr>
+        <p:blipFill>
+          <a:blip r:embed="rId31"/>
+          <a:stretch>
+            <a:fillRect/>
+          </a:stretch>
+        </p:blipFill>
+        <p:spPr>
+          <a:xfrm>
+            <a:off x="7955228" y="1856068"/>
+            <a:ext cx="954280" cy="134196"/>
+          </a:xfrm>
+          <a:prstGeom prst="rect">
+            <a:avLst/>
+          </a:prstGeom>
+        </p:spPr>
+      </p:pic>
+      <p:pic>
+        <p:nvPicPr>
+          <p:cNvPr id="177" name="Picture 176"/>
+          <p:cNvPicPr>
+            <a:picLocks noChangeAspect="1"/>
+          </p:cNvPicPr>
+          <p:nvPr/>
+        </p:nvPicPr>
+        <p:blipFill>
+          <a:blip r:embed="rId32"/>
+          <a:stretch>
+            <a:fillRect/>
+          </a:stretch>
+        </p:blipFill>
+        <p:spPr>
+          <a:xfrm>
+            <a:off x="7955228" y="2185606"/>
+            <a:ext cx="912949" cy="126259"/>
+          </a:xfrm>
+          <a:prstGeom prst="rect">
+            <a:avLst/>
+          </a:prstGeom>
+        </p:spPr>
+      </p:pic>
     </p:spTree>
     <p:extLst>
       <p:ext uri="{BB962C8B-B14F-4D97-AF65-F5344CB8AC3E}">

--- a/Project/figures/discretization1.pptx
+++ b/Project/figures/discretization1.pptx
@@ -2919,10 +2919,10 @@
         </p:nvGrpSpPr>
         <p:grpSpPr>
           <a:xfrm>
-            <a:off x="52545" y="1749287"/>
-            <a:ext cx="8930483" cy="3878338"/>
-            <a:chOff x="52545" y="1749287"/>
-            <a:chExt cx="8930483" cy="3878338"/>
+            <a:off x="112743" y="1749287"/>
+            <a:ext cx="8624596" cy="3855726"/>
+            <a:chOff x="112743" y="1749287"/>
+            <a:chExt cx="8624596" cy="3855726"/>
           </a:xfrm>
         </p:grpSpPr>
         <p:grpSp>
@@ -2933,10 +2933,10 @@
           </p:nvGrpSpPr>
           <p:grpSpPr>
             <a:xfrm>
-              <a:off x="52545" y="1749287"/>
-              <a:ext cx="8930483" cy="3878338"/>
-              <a:chOff x="-11463" y="1749287"/>
-              <a:chExt cx="8930483" cy="3878338"/>
+              <a:off x="112743" y="1749287"/>
+              <a:ext cx="8624596" cy="3855726"/>
+              <a:chOff x="48735" y="1749287"/>
+              <a:chExt cx="8624596" cy="3855726"/>
             </a:xfrm>
           </p:grpSpPr>
           <p:grpSp>
@@ -2947,10 +2947,10 @@
             </p:nvGrpSpPr>
             <p:grpSpPr>
               <a:xfrm>
-                <a:off x="46348" y="1749287"/>
-                <a:ext cx="8872672" cy="3878338"/>
-                <a:chOff x="68218" y="339634"/>
-                <a:chExt cx="10418666" cy="5287991"/>
+                <a:off x="236348" y="1749287"/>
+                <a:ext cx="8436983" cy="3855726"/>
+                <a:chOff x="291322" y="339634"/>
+                <a:chExt cx="9907064" cy="5257161"/>
               </a:xfrm>
             </p:grpSpPr>
             <p:grpSp>
@@ -2961,10 +2961,10 @@
               </p:nvGrpSpPr>
               <p:grpSpPr>
                 <a:xfrm>
-                  <a:off x="68218" y="339634"/>
-                  <a:ext cx="10418666" cy="5287991"/>
-                  <a:chOff x="68218" y="339634"/>
-                  <a:chExt cx="10418666" cy="5287991"/>
+                  <a:off x="291322" y="339634"/>
+                  <a:ext cx="9907064" cy="5257161"/>
+                  <a:chOff x="291322" y="339634"/>
+                  <a:chExt cx="9907064" cy="5257161"/>
                 </a:xfrm>
               </p:grpSpPr>
               <p:grpSp>
@@ -2975,10 +2975,10 @@
                 </p:nvGrpSpPr>
                 <p:grpSpPr>
                   <a:xfrm>
-                    <a:off x="68218" y="339634"/>
-                    <a:ext cx="10418666" cy="5287991"/>
-                    <a:chOff x="68218" y="339634"/>
-                    <a:chExt cx="10418666" cy="5287991"/>
+                    <a:off x="291322" y="339634"/>
+                    <a:ext cx="9907064" cy="5257161"/>
+                    <a:chOff x="291322" y="339634"/>
+                    <a:chExt cx="9907064" cy="5257161"/>
                   </a:xfrm>
                 </p:grpSpPr>
                 <p:cxnSp>
@@ -3077,8 +3077,8 @@
                   </p:blipFill>
                   <p:spPr>
                     <a:xfrm>
-                      <a:off x="68218" y="4990009"/>
-                      <a:ext cx="203200" cy="330200"/>
+                      <a:off x="291322" y="5336661"/>
+                      <a:ext cx="119409" cy="194039"/>
                     </a:xfrm>
                     <a:prstGeom prst="rect">
                       <a:avLst/>
@@ -3101,8 +3101,8 @@
                   </p:blipFill>
                   <p:spPr>
                     <a:xfrm>
-                      <a:off x="9610584" y="5297424"/>
-                      <a:ext cx="876300" cy="330201"/>
+                      <a:off x="9610584" y="5260410"/>
+                      <a:ext cx="587802" cy="221491"/>
                     </a:xfrm>
                     <a:prstGeom prst="rect">
                       <a:avLst/>
@@ -3131,13 +3131,7 @@
                         </a:schemeClr>
                       </a:solidFill>
                     </a:ln>
-                    <a:effectLst>
-                      <a:outerShdw blurRad="50800" dist="38100" dir="5400000" algn="t" rotWithShape="0">
-                        <a:prstClr val="black">
-                          <a:alpha val="40000"/>
-                        </a:prstClr>
-                      </a:outerShdw>
-                    </a:effectLst>
+                    <a:effectLst/>
                   </p:spPr>
                   <p:style>
                     <a:lnRef idx="1">
@@ -3176,13 +3170,7 @@
                         </a:schemeClr>
                       </a:solidFill>
                     </a:ln>
-                    <a:effectLst>
-                      <a:outerShdw blurRad="50800" dist="38100" dir="5400000" algn="t" rotWithShape="0">
-                        <a:prstClr val="black">
-                          <a:alpha val="40000"/>
-                        </a:prstClr>
-                      </a:outerShdw>
-                    </a:effectLst>
+                    <a:effectLst/>
                   </p:spPr>
                   <p:style>
                     <a:lnRef idx="1">
@@ -3222,13 +3210,7 @@
                       </a:solidFill>
                       <a:prstDash val="sysDot"/>
                     </a:ln>
-                    <a:effectLst>
-                      <a:outerShdw blurRad="50800" dist="38100" dir="5400000" algn="t" rotWithShape="0">
-                        <a:prstClr val="black">
-                          <a:alpha val="40000"/>
-                        </a:prstClr>
-                      </a:outerShdw>
-                    </a:effectLst>
+                    <a:effectLst/>
                   </p:spPr>
                   <p:style>
                     <a:lnRef idx="1">
@@ -3267,13 +3249,7 @@
                         </a:schemeClr>
                       </a:solidFill>
                     </a:ln>
-                    <a:effectLst>
-                      <a:outerShdw blurRad="50800" dist="38100" dir="5400000" algn="t" rotWithShape="0">
-                        <a:prstClr val="black">
-                          <a:alpha val="40000"/>
-                        </a:prstClr>
-                      </a:outerShdw>
-                    </a:effectLst>
+                    <a:effectLst/>
                   </p:spPr>
                   <p:style>
                     <a:lnRef idx="1">
@@ -3312,13 +3288,7 @@
                         </a:schemeClr>
                       </a:solidFill>
                     </a:ln>
-                    <a:effectLst>
-                      <a:outerShdw blurRad="50800" dist="38100" dir="5400000" algn="t" rotWithShape="0">
-                        <a:prstClr val="black">
-                          <a:alpha val="40000"/>
-                        </a:prstClr>
-                      </a:outerShdw>
-                    </a:effectLst>
+                    <a:effectLst/>
                   </p:spPr>
                   <p:style>
                     <a:lnRef idx="1">
@@ -3337,7 +3307,7 @@
                 </p:cxnSp>
                 <p:pic>
                   <p:nvPicPr>
-                    <p:cNvPr id="27" name="Picture 26"/>
+                    <p:cNvPr id="28" name="Picture 27"/>
                     <p:cNvPicPr>
                       <a:picLocks noChangeAspect="1"/>
                     </p:cNvPicPr>
@@ -3345,30 +3315,6 @@
                   </p:nvPicPr>
                   <p:blipFill>
                     <a:blip r:embed="rId4"/>
-                    <a:stretch>
-                      <a:fillRect/>
-                    </a:stretch>
-                  </p:blipFill>
-                  <p:spPr>
-                    <a:xfrm>
-                      <a:off x="96970" y="5353365"/>
-                      <a:ext cx="648000" cy="217965"/>
-                    </a:xfrm>
-                    <a:prstGeom prst="rect">
-                      <a:avLst/>
-                    </a:prstGeom>
-                  </p:spPr>
-                </p:pic>
-                <p:pic>
-                  <p:nvPicPr>
-                    <p:cNvPr id="28" name="Picture 27"/>
-                    <p:cNvPicPr>
-                      <a:picLocks noChangeAspect="1"/>
-                    </p:cNvPicPr>
-                    <p:nvPr/>
-                  </p:nvPicPr>
-                  <p:blipFill>
-                    <a:blip r:embed="rId5"/>
                     <a:stretch>
                       <a:fillRect/>
                     </a:stretch>
@@ -3392,7 +3338,7 @@
                     <p:nvPr/>
                   </p:nvPicPr>
                   <p:blipFill>
-                    <a:blip r:embed="rId6"/>
+                    <a:blip r:embed="rId5"/>
                     <a:stretch>
                       <a:fillRect/>
                     </a:stretch>
@@ -3416,7 +3362,7 @@
                     <p:nvPr/>
                   </p:nvPicPr>
                   <p:blipFill>
-                    <a:blip r:embed="rId7"/>
+                    <a:blip r:embed="rId6"/>
                     <a:stretch>
                       <a:fillRect/>
                     </a:stretch>
@@ -3453,13 +3399,7 @@
                         </a:schemeClr>
                       </a:solidFill>
                     </a:ln>
-                    <a:effectLst>
-                      <a:outerShdw blurRad="50800" dist="38100" dir="5400000" algn="t" rotWithShape="0">
-                        <a:prstClr val="black">
-                          <a:alpha val="40000"/>
-                        </a:prstClr>
-                      </a:outerShdw>
-                    </a:effectLst>
+                    <a:effectLst/>
                   </p:spPr>
                   <p:style>
                     <a:lnRef idx="1">
@@ -3498,13 +3438,7 @@
                         </a:schemeClr>
                       </a:solidFill>
                     </a:ln>
-                    <a:effectLst>
-                      <a:outerShdw blurRad="50800" dist="38100" dir="5400000" algn="t" rotWithShape="0">
-                        <a:prstClr val="black">
-                          <a:alpha val="40000"/>
-                        </a:prstClr>
-                      </a:outerShdw>
-                    </a:effectLst>
+                    <a:effectLst/>
                   </p:spPr>
                   <p:style>
                     <a:lnRef idx="1">
@@ -3544,13 +3478,7 @@
                       </a:solidFill>
                       <a:prstDash val="sysDot"/>
                     </a:ln>
-                    <a:effectLst>
-                      <a:outerShdw blurRad="50800" dist="38100" dir="5400000" algn="t" rotWithShape="0">
-                        <a:prstClr val="black">
-                          <a:alpha val="40000"/>
-                        </a:prstClr>
-                      </a:outerShdw>
-                    </a:effectLst>
+                    <a:effectLst/>
                   </p:spPr>
                   <p:style>
                     <a:lnRef idx="1">
@@ -3590,13 +3518,7 @@
                       </a:solidFill>
                       <a:prstDash val="sysDot"/>
                     </a:ln>
-                    <a:effectLst>
-                      <a:outerShdw blurRad="50800" dist="38100" dir="5400000" algn="t" rotWithShape="0">
-                        <a:prstClr val="black">
-                          <a:alpha val="40000"/>
-                        </a:prstClr>
-                      </a:outerShdw>
-                    </a:effectLst>
+                    <a:effectLst/>
                   </p:spPr>
                   <p:style>
                     <a:lnRef idx="1">
@@ -3622,7 +3544,7 @@
                     <p:nvPr/>
                   </p:nvPicPr>
                   <p:blipFill>
-                    <a:blip r:embed="rId8"/>
+                    <a:blip r:embed="rId7"/>
                     <a:stretch>
                       <a:fillRect/>
                     </a:stretch>
@@ -3659,13 +3581,7 @@
                         </a:schemeClr>
                       </a:solidFill>
                     </a:ln>
-                    <a:effectLst>
-                      <a:outerShdw blurRad="50800" dist="38100" dir="5400000" algn="t" rotWithShape="0">
-                        <a:prstClr val="black">
-                          <a:alpha val="40000"/>
-                        </a:prstClr>
-                      </a:outerShdw>
-                    </a:effectLst>
+                    <a:effectLst/>
                   </p:spPr>
                   <p:style>
                     <a:lnRef idx="1">
@@ -3691,7 +3607,7 @@
                     <p:nvPr/>
                   </p:nvPicPr>
                   <p:blipFill>
-                    <a:blip r:embed="rId9"/>
+                    <a:blip r:embed="rId8"/>
                     <a:stretch>
                       <a:fillRect/>
                     </a:stretch>
@@ -3728,13 +3644,7 @@
                         </a:schemeClr>
                       </a:solidFill>
                     </a:ln>
-                    <a:effectLst>
-                      <a:outerShdw blurRad="50800" dist="38100" dir="5400000" algn="t" rotWithShape="0">
-                        <a:prstClr val="black">
-                          <a:alpha val="40000"/>
-                        </a:prstClr>
-                      </a:outerShdw>
-                    </a:effectLst>
+                    <a:effectLst/>
                   </p:spPr>
                   <p:style>
                     <a:lnRef idx="1">
@@ -3760,7 +3670,7 @@
                     <p:nvPr/>
                   </p:nvPicPr>
                   <p:blipFill>
-                    <a:blip r:embed="rId10"/>
+                    <a:blip r:embed="rId9"/>
                     <a:stretch>
                       <a:fillRect/>
                     </a:stretch>
@@ -3797,13 +3707,7 @@
                         </a:schemeClr>
                       </a:solidFill>
                     </a:ln>
-                    <a:effectLst>
-                      <a:outerShdw blurRad="50800" dist="38100" dir="5400000" algn="t" rotWithShape="0">
-                        <a:prstClr val="black">
-                          <a:alpha val="40000"/>
-                        </a:prstClr>
-                      </a:outerShdw>
-                    </a:effectLst>
+                    <a:effectLst/>
                   </p:spPr>
                   <p:style>
                     <a:lnRef idx="1">
@@ -3829,7 +3733,7 @@
                     <p:nvPr/>
                   </p:nvPicPr>
                   <p:blipFill>
-                    <a:blip r:embed="rId11"/>
+                    <a:blip r:embed="rId10"/>
                     <a:stretch>
                       <a:fillRect/>
                     </a:stretch>
@@ -3853,7 +3757,7 @@
                     <p:nvPr/>
                   </p:nvPicPr>
                   <p:blipFill>
-                    <a:blip r:embed="rId12"/>
+                    <a:blip r:embed="rId11"/>
                     <a:stretch>
                       <a:fillRect/>
                     </a:stretch>
@@ -3877,7 +3781,7 @@
                     <p:nvPr/>
                   </p:nvPicPr>
                   <p:blipFill>
-                    <a:blip r:embed="rId13"/>
+                    <a:blip r:embed="rId12"/>
                     <a:stretch>
                       <a:fillRect/>
                     </a:stretch>
@@ -3916,13 +3820,7 @@
                     </a:solidFill>
                     <a:prstDash val="dash"/>
                   </a:ln>
-                  <a:effectLst>
-                    <a:outerShdw blurRad="50800" dist="38100" dir="5400000" algn="t" rotWithShape="0">
-                      <a:prstClr val="black">
-                        <a:alpha val="40000"/>
-                      </a:prstClr>
-                    </a:outerShdw>
-                  </a:effectLst>
+                  <a:effectLst/>
                 </p:spPr>
                 <p:style>
                   <a:lnRef idx="1">
@@ -3962,13 +3860,7 @@
                     </a:solidFill>
                     <a:prstDash val="dash"/>
                   </a:ln>
-                  <a:effectLst>
-                    <a:outerShdw blurRad="50800" dist="38100" dir="5400000" algn="t" rotWithShape="0">
-                      <a:prstClr val="black">
-                        <a:alpha val="40000"/>
-                      </a:prstClr>
-                    </a:outerShdw>
-                  </a:effectLst>
+                  <a:effectLst/>
                 </p:spPr>
                 <p:style>
                   <a:lnRef idx="1">
@@ -4008,13 +3900,7 @@
                     </a:solidFill>
                     <a:prstDash val="dash"/>
                   </a:ln>
-                  <a:effectLst>
-                    <a:outerShdw blurRad="50800" dist="38100" dir="5400000" algn="t" rotWithShape="0">
-                      <a:prstClr val="black">
-                        <a:alpha val="40000"/>
-                      </a:prstClr>
-                    </a:outerShdw>
-                  </a:effectLst>
+                  <a:effectLst/>
                 </p:spPr>
                 <p:style>
                   <a:lnRef idx="1">
@@ -4054,13 +3940,7 @@
                     </a:solidFill>
                     <a:prstDash val="dash"/>
                   </a:ln>
-                  <a:effectLst>
-                    <a:outerShdw blurRad="50800" dist="38100" dir="5400000" algn="t" rotWithShape="0">
-                      <a:prstClr val="black">
-                        <a:alpha val="40000"/>
-                      </a:prstClr>
-                    </a:outerShdw>
-                  </a:effectLst>
+                  <a:effectLst/>
                 </p:spPr>
                 <p:style>
                   <a:lnRef idx="1">
@@ -4100,13 +3980,7 @@
                     </a:solidFill>
                     <a:prstDash val="dash"/>
                   </a:ln>
-                  <a:effectLst>
-                    <a:outerShdw blurRad="50800" dist="38100" dir="5400000" algn="t" rotWithShape="0">
-                      <a:prstClr val="black">
-                        <a:alpha val="40000"/>
-                      </a:prstClr>
-                    </a:outerShdw>
-                  </a:effectLst>
+                  <a:effectLst/>
                 </p:spPr>
                 <p:style>
                   <a:lnRef idx="1">
@@ -4146,13 +4020,7 @@
                     </a:solidFill>
                     <a:prstDash val="dash"/>
                   </a:ln>
-                  <a:effectLst>
-                    <a:outerShdw blurRad="50800" dist="38100" dir="5400000" algn="t" rotWithShape="0">
-                      <a:prstClr val="black">
-                        <a:alpha val="40000"/>
-                      </a:prstClr>
-                    </a:outerShdw>
-                  </a:effectLst>
+                  <a:effectLst/>
                 </p:spPr>
                 <p:style>
                   <a:lnRef idx="1">
@@ -4192,13 +4060,7 @@
                     </a:solidFill>
                     <a:prstDash val="dash"/>
                   </a:ln>
-                  <a:effectLst>
-                    <a:outerShdw blurRad="50800" dist="38100" dir="5400000" algn="t" rotWithShape="0">
-                      <a:prstClr val="black">
-                        <a:alpha val="40000"/>
-                      </a:prstClr>
-                    </a:outerShdw>
-                  </a:effectLst>
+                  <a:effectLst/>
                 </p:spPr>
                 <p:style>
                   <a:lnRef idx="1">
@@ -4238,13 +4100,7 @@
                     </a:solidFill>
                     <a:prstDash val="dash"/>
                   </a:ln>
-                  <a:effectLst>
-                    <a:outerShdw blurRad="50800" dist="38100" dir="5400000" algn="t" rotWithShape="0">
-                      <a:prstClr val="black">
-                        <a:alpha val="40000"/>
-                      </a:prstClr>
-                    </a:outerShdw>
-                  </a:effectLst>
+                  <a:effectLst/>
                 </p:spPr>
                 <p:style>
                   <a:lnRef idx="1">
@@ -4284,13 +4140,7 @@
                     </a:solidFill>
                     <a:prstDash val="dash"/>
                   </a:ln>
-                  <a:effectLst>
-                    <a:outerShdw blurRad="50800" dist="38100" dir="5400000" algn="t" rotWithShape="0">
-                      <a:prstClr val="black">
-                        <a:alpha val="40000"/>
-                      </a:prstClr>
-                    </a:outerShdw>
-                  </a:effectLst>
+                  <a:effectLst/>
                 </p:spPr>
                 <p:style>
                   <a:lnRef idx="1">
@@ -4568,10 +4418,10 @@
               </p:nvGrpSpPr>
               <p:grpSpPr>
                 <a:xfrm>
-                  <a:off x="2678263" y="2164611"/>
-                  <a:ext cx="1039924" cy="8742"/>
-                  <a:chOff x="2678263" y="2098351"/>
-                  <a:chExt cx="1039924" cy="8742"/>
+                  <a:off x="2678263" y="2173353"/>
+                  <a:ext cx="1039924" cy="7448"/>
+                  <a:chOff x="2678263" y="2107093"/>
+                  <a:chExt cx="1039924" cy="7448"/>
                 </a:xfrm>
               </p:grpSpPr>
               <p:cxnSp>
@@ -4618,7 +4468,7 @@
                 </p:nvCxnSpPr>
                 <p:spPr>
                   <a:xfrm>
-                    <a:off x="3413760" y="2098351"/>
+                    <a:off x="3413760" y="2114541"/>
                     <a:ext cx="304427" cy="0"/>
                   </a:xfrm>
                   <a:prstGeom prst="line">
@@ -4656,10 +4506,10 @@
               </p:nvGrpSpPr>
               <p:grpSpPr>
                 <a:xfrm>
-                  <a:off x="3951720" y="1570380"/>
-                  <a:ext cx="2264504" cy="3207"/>
-                  <a:chOff x="3951720" y="1636640"/>
-                  <a:chExt cx="2264504" cy="3207"/>
+                  <a:off x="3951720" y="1557395"/>
+                  <a:ext cx="2264504" cy="12985"/>
+                  <a:chOff x="3951720" y="1623655"/>
+                  <a:chExt cx="2264504" cy="12985"/>
                 </a:xfrm>
               </p:grpSpPr>
               <p:cxnSp>
@@ -4706,7 +4556,7 @@
                 </p:nvCxnSpPr>
                 <p:spPr>
                   <a:xfrm>
-                    <a:off x="3951720" y="1639847"/>
+                    <a:off x="3951720" y="1623655"/>
                     <a:ext cx="304427" cy="0"/>
                   </a:xfrm>
                   <a:prstGeom prst="line">
@@ -4743,7 +4593,7 @@
                 </p:nvCxnSpPr>
                 <p:spPr>
                   <a:xfrm>
-                    <a:off x="5911797" y="1639846"/>
+                    <a:off x="5911797" y="1623655"/>
                     <a:ext cx="304427" cy="0"/>
                   </a:xfrm>
                   <a:prstGeom prst="line">
@@ -5416,7 +5266,7 @@
                 <p:nvPr/>
               </p:nvPicPr>
               <p:blipFill>
-                <a:blip r:embed="rId14"/>
+                <a:blip r:embed="rId13"/>
                 <a:stretch>
                   <a:fillRect/>
                 </a:stretch>
@@ -5440,7 +5290,7 @@
                 <p:nvPr/>
               </p:nvPicPr>
               <p:blipFill>
-                <a:blip r:embed="rId15"/>
+                <a:blip r:embed="rId14"/>
                 <a:stretch>
                   <a:fillRect/>
                 </a:stretch>
@@ -5464,7 +5314,7 @@
                 <p:nvPr/>
               </p:nvPicPr>
               <p:blipFill>
-                <a:blip r:embed="rId15"/>
+                <a:blip r:embed="rId14"/>
                 <a:stretch>
                   <a:fillRect/>
                 </a:stretch>
@@ -5488,7 +5338,7 @@
                 <p:nvPr/>
               </p:nvPicPr>
               <p:blipFill>
-                <a:blip r:embed="rId15"/>
+                <a:blip r:embed="rId14"/>
                 <a:stretch>
                   <a:fillRect/>
                 </a:stretch>
@@ -5512,7 +5362,7 @@
                 <p:nvPr/>
               </p:nvPicPr>
               <p:blipFill>
-                <a:blip r:embed="rId16"/>
+                <a:blip r:embed="rId15"/>
                 <a:stretch>
                   <a:fillRect/>
                 </a:stretch>
@@ -5536,7 +5386,7 @@
                 <p:nvPr/>
               </p:nvPicPr>
               <p:blipFill>
-                <a:blip r:embed="rId16"/>
+                <a:blip r:embed="rId15"/>
                 <a:stretch>
                   <a:fillRect/>
                 </a:stretch>
@@ -5560,7 +5410,7 @@
                 <p:nvPr/>
               </p:nvPicPr>
               <p:blipFill>
-                <a:blip r:embed="rId14"/>
+                <a:blip r:embed="rId13"/>
                 <a:stretch>
                   <a:fillRect/>
                 </a:stretch>
@@ -5584,7 +5434,7 @@
                 <p:nvPr/>
               </p:nvPicPr>
               <p:blipFill>
-                <a:blip r:embed="rId14"/>
+                <a:blip r:embed="rId13"/>
                 <a:stretch>
                   <a:fillRect/>
                 </a:stretch>
@@ -5608,7 +5458,7 @@
                 <p:nvPr/>
               </p:nvPicPr>
               <p:blipFill>
-                <a:blip r:embed="rId14"/>
+                <a:blip r:embed="rId13"/>
                 <a:stretch>
                   <a:fillRect/>
                 </a:stretch>
@@ -5632,7 +5482,7 @@
                 <p:nvPr/>
               </p:nvPicPr>
               <p:blipFill>
-                <a:blip r:embed="rId17"/>
+                <a:blip r:embed="rId16"/>
                 <a:stretch>
                   <a:fillRect/>
                 </a:stretch>
@@ -5656,7 +5506,7 @@
                 <p:nvPr/>
               </p:nvPicPr>
               <p:blipFill>
-                <a:blip r:embed="rId18"/>
+                <a:blip r:embed="rId17"/>
                 <a:stretch>
                   <a:fillRect/>
                 </a:stretch>
@@ -5680,7 +5530,7 @@
                 <p:nvPr/>
               </p:nvPicPr>
               <p:blipFill>
-                <a:blip r:embed="rId19"/>
+                <a:blip r:embed="rId18"/>
                 <a:stretch>
                   <a:fillRect/>
                 </a:stretch>
@@ -5704,7 +5554,7 @@
                 <p:nvPr/>
               </p:nvPicPr>
               <p:blipFill>
-                <a:blip r:embed="rId20"/>
+                <a:blip r:embed="rId19"/>
                 <a:stretch>
                   <a:fillRect/>
                 </a:stretch>
@@ -5728,7 +5578,7 @@
                 <p:nvPr/>
               </p:nvPicPr>
               <p:blipFill>
-                <a:blip r:embed="rId21"/>
+                <a:blip r:embed="rId20"/>
                 <a:stretch>
                   <a:fillRect/>
                 </a:stretch>
@@ -5752,7 +5602,7 @@
                 <p:nvPr/>
               </p:nvPicPr>
               <p:blipFill>
-                <a:blip r:embed="rId22"/>
+                <a:blip r:embed="rId21"/>
                 <a:stretch>
                   <a:fillRect/>
                 </a:stretch>
@@ -5776,7 +5626,7 @@
                 <p:nvPr/>
               </p:nvPicPr>
               <p:blipFill>
-                <a:blip r:embed="rId23"/>
+                <a:blip r:embed="rId22"/>
                 <a:stretch>
                   <a:fillRect/>
                 </a:stretch>
@@ -5800,7 +5650,7 @@
                 <p:nvPr/>
               </p:nvPicPr>
               <p:blipFill>
-                <a:blip r:embed="rId24"/>
+                <a:blip r:embed="rId23"/>
                 <a:stretch>
                   <a:fillRect/>
                 </a:stretch>
@@ -5824,7 +5674,7 @@
                 <p:nvPr/>
               </p:nvPicPr>
               <p:blipFill>
-                <a:blip r:embed="rId25"/>
+                <a:blip r:embed="rId24"/>
                 <a:stretch>
                   <a:fillRect/>
                 </a:stretch>
@@ -5848,7 +5698,7 @@
                 <p:nvPr/>
               </p:nvPicPr>
               <p:blipFill>
-                <a:blip r:embed="rId26"/>
+                <a:blip r:embed="rId25"/>
                 <a:stretch>
                   <a:fillRect/>
                 </a:stretch>
@@ -5872,7 +5722,7 @@
                 <p:nvPr/>
               </p:nvPicPr>
               <p:blipFill>
-                <a:blip r:embed="rId27"/>
+                <a:blip r:embed="rId26"/>
                 <a:stretch>
                   <a:fillRect/>
                 </a:stretch>
@@ -5897,7 +5747,7 @@
               <p:nvPr/>
             </p:nvPicPr>
             <p:blipFill>
-              <a:blip r:embed="rId28"/>
+              <a:blip r:embed="rId27"/>
               <a:stretch>
                 <a:fillRect/>
               </a:stretch>
@@ -5921,7 +5771,7 @@
               <p:nvPr/>
             </p:nvPicPr>
             <p:blipFill>
-              <a:blip r:embed="rId29"/>
+              <a:blip r:embed="rId28"/>
               <a:stretch>
                 <a:fillRect/>
               </a:stretch>
@@ -5945,7 +5795,7 @@
               <p:nvPr/>
             </p:nvPicPr>
             <p:blipFill>
-              <a:blip r:embed="rId29"/>
+              <a:blip r:embed="rId28"/>
               <a:stretch>
                 <a:fillRect/>
               </a:stretch>
@@ -5969,15 +5819,15 @@
               <p:nvPr/>
             </p:nvPicPr>
             <p:blipFill>
-              <a:blip r:embed="rId30"/>
+              <a:blip r:embed="rId29"/>
               <a:stretch>
                 <a:fillRect/>
               </a:stretch>
             </p:blipFill>
             <p:spPr>
               <a:xfrm rot="16200000">
-                <a:off x="-307258" y="3509643"/>
-                <a:ext cx="817786" cy="226196"/>
+                <a:off x="-142685" y="3301952"/>
+                <a:ext cx="529220" cy="146380"/>
               </a:xfrm>
               <a:prstGeom prst="rect">
                 <a:avLst/>
@@ -6140,7 +5990,7 @@
           <p:nvPr/>
         </p:nvPicPr>
         <p:blipFill>
-          <a:blip r:embed="rId31"/>
+          <a:blip r:embed="rId30"/>
           <a:stretch>
             <a:fillRect/>
           </a:stretch>
@@ -6164,7 +6014,7 @@
           <p:nvPr/>
         </p:nvPicPr>
         <p:blipFill>
-          <a:blip r:embed="rId32"/>
+          <a:blip r:embed="rId31"/>
           <a:stretch>
             <a:fillRect/>
           </a:stretch>
@@ -6179,6 +6029,32 @@
           </a:prstGeom>
         </p:spPr>
       </p:pic>
+      <p:sp>
+        <p:nvSpPr>
+          <p:cNvPr id="178" name="TextBox 177"/>
+          <p:cNvSpPr txBox="1"/>
+          <p:nvPr/>
+        </p:nvSpPr>
+        <p:spPr>
+          <a:xfrm>
+            <a:off x="6519553" y="795647"/>
+            <a:ext cx="184731" cy="369332"/>
+          </a:xfrm>
+          <a:prstGeom prst="rect">
+            <a:avLst/>
+          </a:prstGeom>
+          <a:noFill/>
+        </p:spPr>
+        <p:txBody>
+          <a:bodyPr wrap="none" rtlCol="0">
+            <a:spAutoFit/>
+          </a:bodyPr>
+          <a:lstStyle/>
+          <a:p>
+            <a:endParaRPr lang="en-US"/>
+          </a:p>
+        </p:txBody>
+      </p:sp>
     </p:spTree>
     <p:extLst>
       <p:ext uri="{BB962C8B-B14F-4D97-AF65-F5344CB8AC3E}">
